--- a/src/main/resources/monthly-report/RnD_월간보고_2025년_10월_현황.pptx
+++ b/src/main/resources/monthly-report/RnD_월간보고_2025년_10월_현황.pptx
@@ -3262,7 +3262,7 @@
                         <a:rPr sz="900">
                           <a:latin typeface="Pretendard Light"/>
                         </a:rPr>
-                        <a:t>877GB/1741GB (50%)</a:t>
+                        <a:t>876GB/1741GB (50%)</a:t>
                       </a:r>
                     </a:p>
                   </a:txBody>
@@ -3478,7 +3478,7 @@
                         <a:rPr sz="900">
                           <a:latin typeface="Pretendard Light"/>
                         </a:rPr>
-                        <a:t>2,630,140,529</a:t>
+                        <a:t>2,680,269,811</a:t>
                       </a:r>
                     </a:p>
                   </a:txBody>
@@ -4020,7 +4020,7 @@
                         <a:rPr sz="900">
                           <a:latin typeface="Pretendard Light"/>
                         </a:rPr>
-                        <a:t>63%</a:t>
+                        <a:t>64%</a:t>
                       </a:r>
                     </a:p>
                   </a:txBody>
@@ -4092,7 +4092,7 @@
                         <a:rPr sz="900">
                           <a:latin typeface="Pretendard Light"/>
                         </a:rPr>
-                        <a:t>1,992,947,421</a:t>
+                        <a:t>2,045,025,261</a:t>
                       </a:r>
                     </a:p>
                   </a:txBody>
@@ -4507,7 +4507,7 @@
                         <a:rPr sz="900">
                           <a:latin typeface="Pretendard Light"/>
                         </a:rPr>
-                        <a:t>862GB/1741GB (49%)</a:t>
+                        <a:t>864GB/1741GB (49%)</a:t>
                       </a:r>
                     </a:p>
                   </a:txBody>
@@ -4723,7 +4723,7 @@
                         <a:rPr sz="900">
                           <a:latin typeface="Pretendard Light"/>
                         </a:rPr>
-                        <a:t>3,304,502,299</a:t>
+                        <a:t>3,250,050,186</a:t>
                       </a:r>
                     </a:p>
                   </a:txBody>
@@ -5360,7 +5360,7 @@
                         <a:rPr sz="900">
                           <a:latin typeface="Pretendard Light"/>
                         </a:rPr>
-                        <a:t>2,755,514,661</a:t>
+                        <a:t>2,755,821,139</a:t>
                       </a:r>
                     </a:p>
                   </a:txBody>
@@ -5878,7 +5878,7 @@
               <a:rPr sz="700">
                 <a:latin typeface="Pretendard Light"/>
               </a:rPr>
-              <a:t>※ 10월 29일 기준</a:t>
+              <a:t>※ 10월 30일 기준</a:t>
             </a:r>
           </a:p>
         </p:txBody>

--- a/src/main/resources/monthly-report/RnD_월간보고_2025년_10월_현황.pptx
+++ b/src/main/resources/monthly-report/RnD_월간보고_2025년_10월_현황.pptx
@@ -3262,7 +3262,7 @@
                         <a:rPr sz="900">
                           <a:latin typeface="Pretendard Light"/>
                         </a:rPr>
-                        <a:t>876GB/1741GB (50%)</a:t>
+                        <a:t>877GB/1741GB (50%)</a:t>
                       </a:r>
                     </a:p>
                   </a:txBody>
@@ -3478,7 +3478,7 @@
                         <a:rPr sz="900">
                           <a:latin typeface="Pretendard Light"/>
                         </a:rPr>
-                        <a:t>2,680,269,811</a:t>
+                        <a:t>2,692,230,279</a:t>
                       </a:r>
                     </a:p>
                   </a:txBody>
@@ -3876,7 +3876,7 @@
                         <a:rPr sz="900">
                           <a:latin typeface="Pretendard Light"/>
                         </a:rPr>
-                        <a:t>932GB/1741GB (53%)</a:t>
+                        <a:t>936GB/1741GB (53%)</a:t>
                       </a:r>
                     </a:p>
                   </a:txBody>
@@ -4092,7 +4092,7 @@
                         <a:rPr sz="900">
                           <a:latin typeface="Pretendard Light"/>
                         </a:rPr>
-                        <a:t>2,045,025,261</a:t>
+                        <a:t>2,053,245,055</a:t>
                       </a:r>
                     </a:p>
                   </a:txBody>
@@ -4723,7 +4723,7 @@
                         <a:rPr sz="900">
                           <a:latin typeface="Pretendard Light"/>
                         </a:rPr>
-                        <a:t>3,250,050,186</a:t>
+                        <a:t>3,254,560,394</a:t>
                       </a:r>
                     </a:p>
                   </a:txBody>
@@ -5360,7 +5360,7 @@
                         <a:rPr sz="900">
                           <a:latin typeface="Pretendard Light"/>
                         </a:rPr>
-                        <a:t>2,755,821,139</a:t>
+                        <a:t>2,755,873,147</a:t>
                       </a:r>
                     </a:p>
                   </a:txBody>
